--- a/Document/ASD_Duong.pptx
+++ b/Document/ASD_Duong.pptx
@@ -259,6 +259,11 @@
                 </a:contourClr>
               </a:sp3d>
             </c:spPr>
+            <c:extLst>
+              <c:ext xmlns:c16="http://schemas.microsoft.com/office/drawing/2014/chart" uri="{C3380CC4-5D6E-409C-BE32-E72D297353CC}">
+                <c16:uniqueId val="{00000001-4972-4FF8-961C-A8032EC7ABF5}"/>
+              </c:ext>
+            </c:extLst>
           </c:dPt>
           <c:dPt>
             <c:idx val="1"/>
@@ -279,6 +284,11 @@
                 </a:contourClr>
               </a:sp3d>
             </c:spPr>
+            <c:extLst>
+              <c:ext xmlns:c16="http://schemas.microsoft.com/office/drawing/2014/chart" uri="{C3380CC4-5D6E-409C-BE32-E72D297353CC}">
+                <c16:uniqueId val="{00000003-4972-4FF8-961C-A8032EC7ABF5}"/>
+              </c:ext>
+            </c:extLst>
           </c:dPt>
           <c:dLbls>
             <c:spPr>
@@ -1096,7 +1106,7 @@
             <a:fld id="{2447E72A-D913-4DC2-9E0A-E520CE8FCC86}" type="datetimeFigureOut">
               <a:rPr lang="en-US" smtClean="0"/>
               <a:pPr/>
-              <a:t>2/4/2018</a:t>
+              <a:t>2/5/2018</a:t>
             </a:fld>
             <a:endParaRPr lang="en-US"/>
           </a:p>
@@ -2494,7 +2504,7 @@
             <a:fld id="{743653DA-8BF4-4869-96FE-9BCF43372D46}" type="datetime8">
               <a:rPr lang="en-US" smtClean="0"/>
               <a:pPr algn="ctr"/>
-              <a:t>2/4/2018 3:43 PM</a:t>
+              <a:t>2/5/2018 10:03 AM</a:t>
             </a:fld>
             <a:endParaRPr lang="en-US" sz="2000" dirty="0">
               <a:solidFill>
@@ -2702,7 +2712,7 @@
                 </a:solidFill>
               </a:rPr>
               <a:pPr/>
-              <a:t>2/4/2018 3:43 PM</a:t>
+              <a:t>2/5/2018 10:03 AM</a:t>
             </a:fld>
             <a:endParaRPr lang="en-US"/>
           </a:p>
@@ -2897,7 +2907,7 @@
                 </a:solidFill>
               </a:rPr>
               <a:pPr/>
-              <a:t>2/4/2018 3:43 PM</a:t>
+              <a:t>2/5/2018 10:03 AM</a:t>
             </a:fld>
             <a:endParaRPr lang="en-US" dirty="0"/>
           </a:p>
@@ -3166,7 +3176,7 @@
             <a:fld id="{B7129108-AC8D-4212-9283-60D9E99BF07A}" type="datetime8">
               <a:rPr lang="en-US" smtClean="0"/>
               <a:pPr/>
-              <a:t>2/4/2018 3:43 PM</a:t>
+              <a:t>2/5/2018 10:03 AM</a:t>
             </a:fld>
             <a:endParaRPr lang="en-US" dirty="0"/>
           </a:p>
@@ -3588,7 +3598,7 @@
             <a:fld id="{B6DED3D3-6235-4F4C-B439-DF277FB555A7}" type="datetime8">
               <a:rPr lang="en-US" smtClean="0"/>
               <a:pPr/>
-              <a:t>2/4/2018 3:43 PM</a:t>
+              <a:t>2/5/2018 10:03 AM</a:t>
             </a:fld>
             <a:endParaRPr lang="en-US"/>
           </a:p>
@@ -3836,7 +3846,7 @@
             <a:fld id="{3B5F1E3E-4B2F-4895-B65E-28B2E64F39F6}" type="datetime8">
               <a:rPr lang="en-US" smtClean="0"/>
               <a:pPr/>
-              <a:t>2/4/2018 3:43 PM</a:t>
+              <a:t>2/5/2018 10:03 AM</a:t>
             </a:fld>
             <a:endParaRPr lang="en-US"/>
           </a:p>
@@ -4075,7 +4085,7 @@
             <a:fld id="{63085435-8225-4333-BFFA-0096413F0D76}" type="datetime8">
               <a:rPr lang="en-US" smtClean="0"/>
               <a:pPr/>
-              <a:t>2/4/2018 3:43 PM</a:t>
+              <a:t>2/5/2018 10:03 AM</a:t>
             </a:fld>
             <a:endParaRPr lang="en-US"/>
           </a:p>
@@ -4272,7 +4282,7 @@
             <a:fld id="{0783C494-2A87-468C-A21B-CB14FB9ABB00}" type="datetime8">
               <a:rPr lang="en-US" smtClean="0"/>
               <a:pPr/>
-              <a:t>2/4/2018 3:43 PM</a:t>
+              <a:t>2/5/2018 10:03 AM</a:t>
             </a:fld>
             <a:endParaRPr lang="en-US"/>
           </a:p>
@@ -4376,7 +4386,7 @@
             <a:fld id="{9A180FA0-5B31-4864-A2BB-719EA5A679C6}" type="datetime8">
               <a:rPr lang="en-US" smtClean="0"/>
               <a:pPr/>
-              <a:t>2/4/2018 3:43 PM</a:t>
+              <a:t>2/5/2018 10:03 AM</a:t>
             </a:fld>
             <a:endParaRPr lang="en-US"/>
           </a:p>
@@ -4518,7 +4528,7 @@
             <a:fld id="{4BECC0C8-36B8-442A-833D-B6AACE86BB77}" type="datetime8">
               <a:rPr lang="en-US" smtClean="0"/>
               <a:pPr/>
-              <a:t>2/4/2018 3:43 PM</a:t>
+              <a:t>2/5/2018 10:03 AM</a:t>
             </a:fld>
             <a:endParaRPr lang="en-US"/>
           </a:p>
@@ -5042,7 +5052,7 @@
             <a:fld id="{51E20EC5-AC53-4169-941E-EDF10CD23748}" type="datetime8">
               <a:rPr lang="en-US" smtClean="0"/>
               <a:pPr/>
-              <a:t>2/4/2018 3:43 PM</a:t>
+              <a:t>2/5/2018 10:03 AM</a:t>
             </a:fld>
             <a:endParaRPr lang="en-US"/>
           </a:p>
@@ -5310,7 +5320,7 @@
                 </a:solidFill>
               </a:rPr>
               <a:pPr/>
-              <a:t>2/4/2018 3:43 PM</a:t>
+              <a:t>2/5/2018 10:03 AM</a:t>
             </a:fld>
             <a:endParaRPr lang="en-US" sz="1400" dirty="0">
               <a:solidFill>
@@ -5998,6 +6008,44 @@
             <a:br>
               <a:rPr lang="en-US" dirty="0"/>
             </a:br>
+            <a:endParaRPr lang="en-US" dirty="0"/>
+          </a:p>
+        </p:txBody>
+      </p:sp>
+      <p:sp>
+        <p:nvSpPr>
+          <p:cNvPr id="5" name="TextBox 4">
+            <a:extLst>
+              <a:ext uri="{FF2B5EF4-FFF2-40B4-BE49-F238E27FC236}">
+                <a16:creationId xmlns:a16="http://schemas.microsoft.com/office/drawing/2014/main" id="{0FBAC1A8-D255-40FD-A3A3-BBEFE2202703}"/>
+              </a:ext>
+            </a:extLst>
+          </p:cNvPr>
+          <p:cNvSpPr txBox="1"/>
+          <p:nvPr/>
+        </p:nvSpPr>
+        <p:spPr>
+          <a:xfrm>
+            <a:off x="285750" y="6211669"/>
+            <a:ext cx="1007776" cy="646331"/>
+          </a:xfrm>
+          <a:prstGeom prst="rect">
+            <a:avLst/>
+          </a:prstGeom>
+          <a:noFill/>
+        </p:spPr>
+        <p:txBody>
+          <a:bodyPr wrap="none" rtlCol="0">
+            <a:spAutoFit/>
+          </a:bodyPr>
+          <a:lstStyle/>
+          <a:p>
+            <a:r>
+              <a:rPr lang="en-US" dirty="0"/>
+              <a:t>Team #6</a:t>
+            </a:r>
+          </a:p>
+          <a:p>
             <a:endParaRPr lang="en-US" dirty="0"/>
           </a:p>
         </p:txBody>
